--- a/Entity Relationship Model GYM.pptx
+++ b/Entity Relationship Model GYM.pptx
@@ -241,7 +241,7 @@
           <a:p>
             <a:fld id="{E622E3CD-B31A-46BA-982A-A10F58637588}" type="datetimeFigureOut">
               <a:rPr lang="fr-FR" smtClean="0"/>
-              <a:t>17/11/2021</a:t>
+              <a:t>18/11/2021</a:t>
             </a:fld>
             <a:endParaRPr lang="fr-FR"/>
           </a:p>
@@ -409,7 +409,7 @@
           <a:p>
             <a:fld id="{E622E3CD-B31A-46BA-982A-A10F58637588}" type="datetimeFigureOut">
               <a:rPr lang="fr-FR" smtClean="0"/>
-              <a:t>17/11/2021</a:t>
+              <a:t>18/11/2021</a:t>
             </a:fld>
             <a:endParaRPr lang="fr-FR"/>
           </a:p>
@@ -587,7 +587,7 @@
           <a:p>
             <a:fld id="{E622E3CD-B31A-46BA-982A-A10F58637588}" type="datetimeFigureOut">
               <a:rPr lang="fr-FR" smtClean="0"/>
-              <a:t>17/11/2021</a:t>
+              <a:t>18/11/2021</a:t>
             </a:fld>
             <a:endParaRPr lang="fr-FR"/>
           </a:p>
@@ -755,7 +755,7 @@
           <a:p>
             <a:fld id="{E622E3CD-B31A-46BA-982A-A10F58637588}" type="datetimeFigureOut">
               <a:rPr lang="fr-FR" smtClean="0"/>
-              <a:t>17/11/2021</a:t>
+              <a:t>18/11/2021</a:t>
             </a:fld>
             <a:endParaRPr lang="fr-FR"/>
           </a:p>
@@ -1000,7 +1000,7 @@
           <a:p>
             <a:fld id="{E622E3CD-B31A-46BA-982A-A10F58637588}" type="datetimeFigureOut">
               <a:rPr lang="fr-FR" smtClean="0"/>
-              <a:t>17/11/2021</a:t>
+              <a:t>18/11/2021</a:t>
             </a:fld>
             <a:endParaRPr lang="fr-FR"/>
           </a:p>
@@ -1229,7 +1229,7 @@
           <a:p>
             <a:fld id="{E622E3CD-B31A-46BA-982A-A10F58637588}" type="datetimeFigureOut">
               <a:rPr lang="fr-FR" smtClean="0"/>
-              <a:t>17/11/2021</a:t>
+              <a:t>18/11/2021</a:t>
             </a:fld>
             <a:endParaRPr lang="fr-FR"/>
           </a:p>
@@ -1593,7 +1593,7 @@
           <a:p>
             <a:fld id="{E622E3CD-B31A-46BA-982A-A10F58637588}" type="datetimeFigureOut">
               <a:rPr lang="fr-FR" smtClean="0"/>
-              <a:t>17/11/2021</a:t>
+              <a:t>18/11/2021</a:t>
             </a:fld>
             <a:endParaRPr lang="fr-FR"/>
           </a:p>
@@ -1710,7 +1710,7 @@
           <a:p>
             <a:fld id="{E622E3CD-B31A-46BA-982A-A10F58637588}" type="datetimeFigureOut">
               <a:rPr lang="fr-FR" smtClean="0"/>
-              <a:t>17/11/2021</a:t>
+              <a:t>18/11/2021</a:t>
             </a:fld>
             <a:endParaRPr lang="fr-FR"/>
           </a:p>
@@ -1805,7 +1805,7 @@
           <a:p>
             <a:fld id="{E622E3CD-B31A-46BA-982A-A10F58637588}" type="datetimeFigureOut">
               <a:rPr lang="fr-FR" smtClean="0"/>
-              <a:t>17/11/2021</a:t>
+              <a:t>18/11/2021</a:t>
             </a:fld>
             <a:endParaRPr lang="fr-FR"/>
           </a:p>
@@ -2080,7 +2080,7 @@
           <a:p>
             <a:fld id="{E622E3CD-B31A-46BA-982A-A10F58637588}" type="datetimeFigureOut">
               <a:rPr lang="fr-FR" smtClean="0"/>
-              <a:t>17/11/2021</a:t>
+              <a:t>18/11/2021</a:t>
             </a:fld>
             <a:endParaRPr lang="fr-FR"/>
           </a:p>
@@ -2332,7 +2332,7 @@
           <a:p>
             <a:fld id="{E622E3CD-B31A-46BA-982A-A10F58637588}" type="datetimeFigureOut">
               <a:rPr lang="fr-FR" smtClean="0"/>
-              <a:t>17/11/2021</a:t>
+              <a:t>18/11/2021</a:t>
             </a:fld>
             <a:endParaRPr lang="fr-FR"/>
           </a:p>
@@ -2543,7 +2543,7 @@
           <a:p>
             <a:fld id="{E622E3CD-B31A-46BA-982A-A10F58637588}" type="datetimeFigureOut">
               <a:rPr lang="fr-FR" smtClean="0"/>
-              <a:t>17/11/2021</a:t>
+              <a:t>18/11/2021</a:t>
             </a:fld>
             <a:endParaRPr lang="fr-FR"/>
           </a:p>
@@ -3615,62 +3615,6 @@
       </p:sp>
       <p:sp>
         <p:nvSpPr>
-          <p:cNvPr id="17" name="Ellipse 16"/>
-          <p:cNvSpPr/>
-          <p:nvPr/>
-        </p:nvSpPr>
-        <p:spPr>
-          <a:xfrm>
-            <a:off x="1048512" y="4974336"/>
-            <a:ext cx="1572768" cy="573024"/>
-          </a:xfrm>
-          <a:prstGeom prst="ellipse">
-            <a:avLst/>
-          </a:prstGeom>
-          <a:ln>
-            <a:solidFill>
-              <a:srgbClr val="002060"/>
-            </a:solidFill>
-          </a:ln>
-        </p:spPr>
-        <p:style>
-          <a:lnRef idx="2">
-            <a:schemeClr val="accent4"/>
-          </a:lnRef>
-          <a:fillRef idx="1">
-            <a:schemeClr val="lt1"/>
-          </a:fillRef>
-          <a:effectRef idx="0">
-            <a:schemeClr val="accent4"/>
-          </a:effectRef>
-          <a:fontRef idx="minor">
-            <a:schemeClr val="dk1"/>
-          </a:fontRef>
-        </p:style>
-        <p:txBody>
-          <a:bodyPr rtlCol="0" anchor="ctr"/>
-          <a:lstStyle/>
-          <a:p>
-            <a:pPr algn="ctr"/>
-            <a:r>
-              <a:rPr lang="fr-FR" b="1" dirty="0">
-                <a:ln w="12700" cmpd="sng">
-                  <a:solidFill>
-                    <a:schemeClr val="accent4"/>
-                  </a:solidFill>
-                  <a:prstDash val="solid"/>
-                </a:ln>
-                <a:solidFill>
-                  <a:srgbClr val="FF0000"/>
-                </a:solidFill>
-              </a:rPr>
-              <a:t>Works for</a:t>
-            </a:r>
-          </a:p>
-        </p:txBody>
-      </p:sp>
-      <p:sp>
-        <p:nvSpPr>
           <p:cNvPr id="18" name="Ellipse 17"/>
           <p:cNvSpPr/>
           <p:nvPr/>
@@ -3898,41 +3842,6 @@
       </p:cxnSp>
       <p:cxnSp>
         <p:nvCxnSpPr>
-          <p:cNvPr id="35" name="Connecteur droit avec flèche 34"/>
-          <p:cNvCxnSpPr>
-            <a:endCxn id="11" idx="2"/>
-          </p:cNvCxnSpPr>
-          <p:nvPr/>
-        </p:nvCxnSpPr>
-        <p:spPr>
-          <a:xfrm flipV="1">
-            <a:off x="1706880" y="3182490"/>
-            <a:ext cx="0" cy="1791846"/>
-          </a:xfrm>
-          <a:prstGeom prst="straightConnector1">
-            <a:avLst/>
-          </a:prstGeom>
-          <a:ln>
-            <a:tailEnd type="triangle"/>
-          </a:ln>
-        </p:spPr>
-        <p:style>
-          <a:lnRef idx="3">
-            <a:schemeClr val="accent5"/>
-          </a:lnRef>
-          <a:fillRef idx="0">
-            <a:schemeClr val="accent5"/>
-          </a:fillRef>
-          <a:effectRef idx="2">
-            <a:schemeClr val="accent5"/>
-          </a:effectRef>
-          <a:fontRef idx="minor">
-            <a:schemeClr val="tx1"/>
-          </a:fontRef>
-        </p:style>
-      </p:cxnSp>
-      <p:cxnSp>
-        <p:nvCxnSpPr>
           <p:cNvPr id="39" name="Connecteur droit 38"/>
           <p:cNvCxnSpPr/>
           <p:nvPr/>
@@ -4025,38 +3934,6 @@
           </a:fontRef>
         </p:style>
       </p:cxnSp>
-      <p:cxnSp>
-        <p:nvCxnSpPr>
-          <p:cNvPr id="54" name="Connecteur droit 53"/>
-          <p:cNvCxnSpPr>
-            <a:stCxn id="17" idx="6"/>
-          </p:cNvCxnSpPr>
-          <p:nvPr/>
-        </p:nvCxnSpPr>
-        <p:spPr>
-          <a:xfrm>
-            <a:off x="2621280" y="5260848"/>
-            <a:ext cx="1231392" cy="36812"/>
-          </a:xfrm>
-          <a:prstGeom prst="line">
-            <a:avLst/>
-          </a:prstGeom>
-        </p:spPr>
-        <p:style>
-          <a:lnRef idx="3">
-            <a:schemeClr val="accent5"/>
-          </a:lnRef>
-          <a:fillRef idx="0">
-            <a:schemeClr val="accent5"/>
-          </a:fillRef>
-          <a:effectRef idx="2">
-            <a:schemeClr val="accent5"/>
-          </a:effectRef>
-          <a:fontRef idx="minor">
-            <a:schemeClr val="tx1"/>
-          </a:fontRef>
-        </p:style>
-      </p:cxnSp>
       <p:sp>
         <p:nvSpPr>
           <p:cNvPr id="58" name="ZoneTexte 57"/>
@@ -4224,14 +4101,14 @@
       </p:sp>
       <p:sp>
         <p:nvSpPr>
-          <p:cNvPr id="63" name="ZoneTexte 62"/>
+          <p:cNvPr id="65" name="ZoneTexte 64"/>
           <p:cNvSpPr txBox="1"/>
           <p:nvPr/>
         </p:nvSpPr>
         <p:spPr>
           <a:xfrm>
-            <a:off x="3271701" y="4826482"/>
-            <a:ext cx="546247" cy="369332"/>
+            <a:off x="10080933" y="3739896"/>
+            <a:ext cx="788235" cy="369332"/>
           </a:xfrm>
           <a:prstGeom prst="rect">
             <a:avLst/>
@@ -4250,73 +4127,7 @@
                   <a:srgbClr val="FF0000"/>
                 </a:solidFill>
               </a:rPr>
-              <a:t>1.n</a:t>
-            </a:r>
-          </a:p>
-        </p:txBody>
-      </p:sp>
-      <p:sp>
-        <p:nvSpPr>
-          <p:cNvPr id="64" name="ZoneTexte 63"/>
-          <p:cNvSpPr txBox="1"/>
-          <p:nvPr/>
-        </p:nvSpPr>
-        <p:spPr>
-          <a:xfrm>
-            <a:off x="1706880" y="3300837"/>
-            <a:ext cx="546247" cy="369332"/>
-          </a:xfrm>
-          <a:prstGeom prst="rect">
-            <a:avLst/>
-          </a:prstGeom>
-          <a:noFill/>
-        </p:spPr>
-        <p:txBody>
-          <a:bodyPr wrap="square" rtlCol="0">
-            <a:spAutoFit/>
-          </a:bodyPr>
-          <a:lstStyle/>
-          <a:p>
-            <a:r>
-              <a:rPr lang="fr-FR" dirty="0">
-                <a:solidFill>
-                  <a:srgbClr val="FF0000"/>
-                </a:solidFill>
-              </a:rPr>
-              <a:t>0.n</a:t>
-            </a:r>
-          </a:p>
-        </p:txBody>
-      </p:sp>
-      <p:sp>
-        <p:nvSpPr>
-          <p:cNvPr id="65" name="ZoneTexte 64"/>
-          <p:cNvSpPr txBox="1"/>
-          <p:nvPr/>
-        </p:nvSpPr>
-        <p:spPr>
-          <a:xfrm>
-            <a:off x="10080933" y="3739896"/>
-            <a:ext cx="788235" cy="369332"/>
-          </a:xfrm>
-          <a:prstGeom prst="rect">
-            <a:avLst/>
-          </a:prstGeom>
-          <a:noFill/>
-        </p:spPr>
-        <p:txBody>
-          <a:bodyPr wrap="square" rtlCol="0">
-            <a:spAutoFit/>
-          </a:bodyPr>
-          <a:lstStyle/>
-          <a:p>
-            <a:r>
-              <a:rPr lang="fr-FR" dirty="0">
-                <a:solidFill>
-                  <a:srgbClr val="FF0000"/>
-                </a:solidFill>
-              </a:rPr>
-              <a:t>1.2</a:t>
+              <a:t>1.20</a:t>
             </a:r>
           </a:p>
         </p:txBody>
